--- a/ema.pptx
+++ b/ema.pptx
@@ -225,7 +225,7 @@
           <a:p>
             <a:fld id="{2835699F-847F-472C-8EA1-0332EB6606F6}" type="datetimeFigureOut">
               <a:rPr lang="en-GB" smtClean="0"/>
-              <a:t>26/06/2025</a:t>
+              <a:t>07/10/2025</a:t>
             </a:fld>
             <a:endParaRPr lang="en-GB"/>
           </a:p>
@@ -756,7 +756,7 @@
           <a:p>
             <a:fld id="{5512EE5C-7735-4696-9815-5E6BD4EC63BC}" type="datetimeFigureOut">
               <a:rPr lang="en-GB" smtClean="0"/>
-              <a:t>26/06/2025</a:t>
+              <a:t>07/10/2025</a:t>
             </a:fld>
             <a:endParaRPr lang="en-GB"/>
           </a:p>
@@ -1153,7 +1153,7 @@
           <a:p>
             <a:fld id="{B27EB709-711F-41E7-B967-B207AD2052D6}" type="datetime1">
               <a:rPr lang="en-GB" smtClean="0"/>
-              <a:t>26/06/2025</a:t>
+              <a:t>07/10/2025</a:t>
             </a:fld>
             <a:endParaRPr lang="en-GB"/>
           </a:p>
@@ -1321,7 +1321,7 @@
           <a:p>
             <a:fld id="{92E154B4-E99F-40F0-B2E4-CBD6D32FDBFA}" type="datetime1">
               <a:rPr lang="en-GB" smtClean="0"/>
-              <a:t>26/06/2025</a:t>
+              <a:t>07/10/2025</a:t>
             </a:fld>
             <a:endParaRPr lang="en-GB"/>
           </a:p>
@@ -1499,7 +1499,7 @@
           <a:p>
             <a:fld id="{C6B0038C-B477-4ACA-9315-332A86DA252D}" type="datetime1">
               <a:rPr lang="en-GB" smtClean="0"/>
-              <a:t>26/06/2025</a:t>
+              <a:t>07/10/2025</a:t>
             </a:fld>
             <a:endParaRPr lang="en-GB"/>
           </a:p>
@@ -1667,7 +1667,7 @@
           <a:p>
             <a:fld id="{CE2930A8-5676-4328-9873-48E78C1DD882}" type="datetime1">
               <a:rPr lang="en-GB" smtClean="0"/>
-              <a:t>26/06/2025</a:t>
+              <a:t>07/10/2025</a:t>
             </a:fld>
             <a:endParaRPr lang="en-GB"/>
           </a:p>
@@ -1910,7 +1910,7 @@
           <a:p>
             <a:fld id="{4A7320AB-61D6-4464-8C23-F9F07275D263}" type="datetime1">
               <a:rPr lang="en-GB" smtClean="0"/>
-              <a:t>26/06/2025</a:t>
+              <a:t>07/10/2025</a:t>
             </a:fld>
             <a:endParaRPr lang="en-GB"/>
           </a:p>
@@ -2139,7 +2139,7 @@
           <a:p>
             <a:fld id="{C07A8A5B-B80F-402A-99CF-D1482F68A21A}" type="datetime1">
               <a:rPr lang="en-GB" smtClean="0"/>
-              <a:t>26/06/2025</a:t>
+              <a:t>07/10/2025</a:t>
             </a:fld>
             <a:endParaRPr lang="en-GB"/>
           </a:p>
@@ -2503,7 +2503,7 @@
           <a:p>
             <a:fld id="{1E2FFB8B-9339-400D-A414-0663319A1733}" type="datetime1">
               <a:rPr lang="en-GB" smtClean="0"/>
-              <a:t>26/06/2025</a:t>
+              <a:t>07/10/2025</a:t>
             </a:fld>
             <a:endParaRPr lang="en-GB"/>
           </a:p>
@@ -2620,7 +2620,7 @@
           <a:p>
             <a:fld id="{A8335733-145A-4B84-BD9F-BA65E30C6956}" type="datetime1">
               <a:rPr lang="en-GB" smtClean="0"/>
-              <a:t>26/06/2025</a:t>
+              <a:t>07/10/2025</a:t>
             </a:fld>
             <a:endParaRPr lang="en-GB"/>
           </a:p>
@@ -2715,7 +2715,7 @@
           <a:p>
             <a:fld id="{AE188E13-6EB0-44C4-B025-7007FC2B92E5}" type="datetime1">
               <a:rPr lang="en-GB" smtClean="0"/>
-              <a:t>26/06/2025</a:t>
+              <a:t>07/10/2025</a:t>
             </a:fld>
             <a:endParaRPr lang="en-GB"/>
           </a:p>
@@ -2990,7 +2990,7 @@
           <a:p>
             <a:fld id="{4C8F2357-6228-4861-B0DF-91FCFFD0E65D}" type="datetime1">
               <a:rPr lang="en-GB" smtClean="0"/>
-              <a:t>26/06/2025</a:t>
+              <a:t>07/10/2025</a:t>
             </a:fld>
             <a:endParaRPr lang="en-GB"/>
           </a:p>
@@ -3245,7 +3245,7 @@
           <a:p>
             <a:fld id="{6B264641-DC17-4347-8239-6A92DDF7B66E}" type="datetime1">
               <a:rPr lang="en-GB" smtClean="0"/>
-              <a:t>26/06/2025</a:t>
+              <a:t>07/10/2025</a:t>
             </a:fld>
             <a:endParaRPr lang="en-GB"/>
           </a:p>
@@ -3456,7 +3456,7 @@
           <a:p>
             <a:fld id="{A8FF3E21-8A42-45E8-A5C8-4D8525C65875}" type="datetime1">
               <a:rPr lang="en-GB" smtClean="0"/>
-              <a:t>26/06/2025</a:t>
+              <a:t>07/10/2025</a:t>
             </a:fld>
             <a:endParaRPr lang="en-GB"/>
           </a:p>
@@ -9970,7 +9970,7 @@
           <p:nvPr>
             <p:extLst>
               <p:ext uri="{D42A27DB-BD31-4B8C-83A1-F6EECF244321}">
-                <p14:modId xmlns:p14="http://schemas.microsoft.com/office/powerpoint/2010/main" val="3906217768"/>
+                <p14:modId xmlns:p14="http://schemas.microsoft.com/office/powerpoint/2010/main" val="3106260091"/>
               </p:ext>
             </p:extLst>
           </p:nvPr>
@@ -10008,8 +10008,8 @@
                     <a:lstStyle/>
                     <a:p>
                       <a:r>
-                        <a:rPr lang="en-GB" b="1"/>
-                        <a:t>Expect Year Effect to Vary?</a:t>
+                        <a:rPr lang="en-GB" b="1" dirty="0"/>
+                        <a:t>Expect Week Effect to Vary?</a:t>
                       </a:r>
                     </a:p>
                   </a:txBody>
@@ -10058,8 +10058,8 @@
                     <a:lstStyle/>
                     <a:p>
                       <a:r>
-                        <a:rPr lang="en-GB" b="1"/>
-                        <a:t>Expect Year Effect to Vary?</a:t>
+                        <a:rPr lang="en-GB" b="1" dirty="0"/>
+                        <a:t>Expect Week Effect to Vary?</a:t>
                       </a:r>
                     </a:p>
                   </a:txBody>
@@ -10312,11 +10312,11 @@
                     <a:lstStyle/>
                     <a:p>
                       <a:r>
-                        <a:rPr lang="en-GB" b="1"/>
+                        <a:rPr lang="en-GB" b="1" dirty="0"/>
                         <a:t>Between-Persons: </a:t>
                       </a:r>
                       <a:r>
-                        <a:rPr lang="en-GB" b="0"/>
+                        <a:rPr lang="en-GB" b="0" dirty="0"/>
                         <a:t>Lots/Some/Little</a:t>
                       </a:r>
                     </a:p>
@@ -16013,6 +16013,15 @@
 </file>
 
 <file path=customXml/item2.xml><?xml version="1.0" encoding="utf-8"?>
+<?mso-contentType ?>
+<FormTemplates xmlns="http://schemas.microsoft.com/sharepoint/v3/contenttype/forms">
+  <Display>DocumentLibraryForm</Display>
+  <Edit>DocumentLibraryForm</Edit>
+  <New>DocumentLibraryForm</New>
+</FormTemplates>
+</file>
+
+<file path=customXml/item3.xml><?xml version="1.0" encoding="utf-8"?>
 <p:properties xmlns:p="http://schemas.microsoft.com/office/2006/metadata/properties" xmlns:xsi="http://www.w3.org/2001/XMLSchema-instance" xmlns:pc="http://schemas.microsoft.com/office/infopath/2007/PartnerControls">
   <documentManagement>
     <lcf76f155ced4ddcb4097134ff3c332f xmlns="c81dfc03-3b2f-4c41-8a9e-27c996741e2b">
@@ -16021,15 +16030,6 @@
     <TaxCatchAll xmlns="da32be0c-5d10-43e8-a356-339ad47afbff" xsi:nil="true"/>
   </documentManagement>
 </p:properties>
-</file>
-
-<file path=customXml/item3.xml><?xml version="1.0" encoding="utf-8"?>
-<?mso-contentType ?>
-<FormTemplates xmlns="http://schemas.microsoft.com/sharepoint/v3/contenttype/forms">
-  <Display>DocumentLibraryForm</Display>
-  <Edit>DocumentLibraryForm</Edit>
-  <New>DocumentLibraryForm</New>
-</FormTemplates>
 </file>
 
 <file path=customXml/itemProps1.xml><?xml version="1.0" encoding="utf-8"?>
@@ -16052,6 +16052,14 @@
 </file>
 
 <file path=customXml/itemProps2.xml><?xml version="1.0" encoding="utf-8"?>
+<ds:datastoreItem xmlns:ds="http://schemas.openxmlformats.org/officeDocument/2006/customXml" ds:itemID="{A287C236-74AA-48FB-A7FD-DB522C037472}">
+  <ds:schemaRefs>
+    <ds:schemaRef ds:uri="http://schemas.microsoft.com/sharepoint/v3/contenttype/forms"/>
+  </ds:schemaRefs>
+</ds:datastoreItem>
+</file>
+
+<file path=customXml/itemProps3.xml><?xml version="1.0" encoding="utf-8"?>
 <ds:datastoreItem xmlns:ds="http://schemas.openxmlformats.org/officeDocument/2006/customXml" ds:itemID="{C36172AF-F8C1-44F5-9B15-8F67C12C4F6D}">
   <ds:schemaRefs>
     <ds:schemaRef ds:uri="http://schemas.microsoft.com/office/2006/metadata/properties"/>
@@ -16060,12 +16068,4 @@
     <ds:schemaRef ds:uri="da32be0c-5d10-43e8-a356-339ad47afbff"/>
   </ds:schemaRefs>
 </ds:datastoreItem>
-</file>
-
-<file path=customXml/itemProps3.xml><?xml version="1.0" encoding="utf-8"?>
-<ds:datastoreItem xmlns:ds="http://schemas.openxmlformats.org/officeDocument/2006/customXml" ds:itemID="{A287C236-74AA-48FB-A7FD-DB522C037472}">
-  <ds:schemaRefs>
-    <ds:schemaRef ds:uri="http://schemas.microsoft.com/sharepoint/v3/contenttype/forms"/>
-  </ds:schemaRefs>
-</ds:datastoreItem>
 </file>